--- a/training-cards/agile moves/01_templates/Trainingskarte_Blanko-Fortgeschrittene.pptx
+++ b/training-cards/agile moves/01_templates/Trainingskarte_Blanko-Fortgeschrittene.pptx
@@ -3403,7 +3403,7 @@
               <a:tabLst/>
             </a:pPr>
             <a:r>
-              <a:rPr lang="de-DE" sz="1000" dirty="0" err="1" smtClean="0">
+              <a:rPr lang="de-DE" sz="1000" smtClean="0">
                 <a:solidFill>
                   <a:srgbClr val="5D5E5F"/>
                 </a:solidFill>
@@ -3411,18 +3411,7 @@
                 <a:ea typeface="Avenir Light" charset="0"/>
                 <a:cs typeface="Avenir Light" charset="0"/>
               </a:rPr>
-              <a:t>Zertifizierer</a:t>
-            </a:r>
-            <a:r>
-              <a:rPr lang="de-DE" sz="1000" dirty="0" smtClean="0">
-                <a:solidFill>
-                  <a:srgbClr val="5D5E5F"/>
-                </a:solidFill>
-                <a:latin typeface="Avenir Light" charset="0"/>
-                <a:ea typeface="Avenir Light" charset="0"/>
-                <a:cs typeface="Avenir Light" charset="0"/>
-              </a:rPr>
-              <a:t> / </a:t>
+              <a:t>Begleiter / </a:t>
             </a:r>
             <a:r>
               <a:rPr lang="de-DE" sz="1000" dirty="0" smtClean="0">
@@ -3572,7 +3561,7 @@
                 <a:ea typeface="Avenir Book"/>
                 <a:cs typeface="Avenir Book"/>
               </a:rPr>
-              <a:t>Feedback der Zertifizierenden</a:t>
+              <a:t>Feedback der Begleiter</a:t>
             </a:r>
             <a:endParaRPr lang="de-DE" sz="1000" dirty="0" smtClean="0">
               <a:solidFill>
